--- a/ppt3_python/머신러닝/모두의딥러닝개정3판-강의교안/chap07.pptx
+++ b/ppt3_python/머신러닝/모두의딥러닝개정3판-강의교안/chap07.pptx
@@ -361,7 +361,7 @@
             <a:fld id="{CD6B0E63-BBCE-42FA-B3A6-5FD535041784}" type="datetimeFigureOut">
               <a:rPr lang="ko-KR" altLang="en-US" smtClean="0"/>
               <a:pPr/>
-              <a:t>2022-04-06</a:t>
+              <a:t>2024-08-14</a:t>
             </a:fld>
             <a:endParaRPr lang="ko-KR" altLang="en-US" dirty="0"/>
           </a:p>
@@ -528,7 +528,7 @@
             <a:fld id="{F7D56D40-764E-476E-B5E6-4049846BDF68}" type="datetimeFigureOut">
               <a:rPr lang="en-US" smtClean="0"/>
               <a:pPr/>
-              <a:t>4/6/2022</a:t>
+              <a:t>8/14/2024</a:t>
             </a:fld>
             <a:endParaRPr lang="en-US" dirty="0"/>
           </a:p>
@@ -1086,7 +1086,7 @@
               <a:pPr>
                 <a:defRPr/>
               </a:pPr>
-              <a:t>4/6/2022</a:t>
+              <a:t>8/14/2024</a:t>
             </a:fld>
             <a:endParaRPr lang="en-US" dirty="0"/>
           </a:p>
@@ -1633,7 +1633,7 @@
               <a:pPr>
                 <a:defRPr/>
               </a:pPr>
-              <a:t>4/6/2022</a:t>
+              <a:t>8/14/2024</a:t>
             </a:fld>
             <a:endParaRPr lang="en-US" dirty="0"/>
           </a:p>
@@ -1948,7 +1948,7 @@
               <a:pPr>
                 <a:defRPr/>
               </a:pPr>
-              <a:t>4/6/2022</a:t>
+              <a:t>8/14/2024</a:t>
             </a:fld>
             <a:endParaRPr lang="en-US" dirty="0"/>
           </a:p>
@@ -2097,7 +2097,7 @@
             <a:fld id="{7E81C33E-41CC-7144-9EE9-6BB47BFC27EB}" type="datetime1">
               <a:rPr lang="en-US" smtClean="0"/>
               <a:pPr/>
-              <a:t>4/6/2022</a:t>
+              <a:t>8/14/2024</a:t>
             </a:fld>
             <a:endParaRPr lang="en-US" dirty="0"/>
           </a:p>
@@ -2697,7 +2697,7 @@
             <a:fld id="{51BEBC88-5945-6548-81AC-D1E801230918}" type="datetime1">
               <a:rPr lang="en-US" smtClean="0"/>
               <a:pPr/>
-              <a:t>4/6/2022</a:t>
+              <a:t>8/14/2024</a:t>
             </a:fld>
             <a:endParaRPr lang="en-US" dirty="0"/>
           </a:p>
@@ -2914,7 +2914,7 @@
             <a:fld id="{6917FCC0-BCF1-7F40-94F0-C8B3ACD33893}" type="datetime1">
               <a:rPr lang="en-US" smtClean="0"/>
               <a:pPr/>
-              <a:t>4/6/2022</a:t>
+              <a:t>8/14/2024</a:t>
             </a:fld>
             <a:endParaRPr lang="en-US" dirty="0"/>
           </a:p>
@@ -3035,7 +3035,7 @@
             <a:fld id="{08CA98B9-3ABE-A242-9F6B-DA9BAB124A35}" type="datetime1">
               <a:rPr lang="en-US" smtClean="0"/>
               <a:pPr/>
-              <a:t>4/6/2022</a:t>
+              <a:t>8/14/2024</a:t>
             </a:fld>
             <a:endParaRPr lang="en-US" dirty="0"/>
           </a:p>
@@ -3889,7 +3889,7 @@
             <a:fld id="{51305156-B5F0-8F44-9B3B-B829BD25E71A}" type="datetime1">
               <a:rPr lang="en-US" smtClean="0"/>
               <a:pPr/>
-              <a:t>4/6/2022</a:t>
+              <a:t>8/14/2024</a:t>
             </a:fld>
             <a:endParaRPr lang="en-US" dirty="0"/>
           </a:p>
@@ -4055,7 +4055,7 @@
             <a:fld id="{2DAB5F46-2B7F-5B4D-AD94-C45166DC40CF}" type="datetime1">
               <a:rPr lang="en-US" smtClean="0"/>
               <a:pPr/>
-              <a:t>4/6/2022</a:t>
+              <a:t>8/14/2024</a:t>
             </a:fld>
             <a:endParaRPr lang="en-US" dirty="0"/>
           </a:p>
@@ -4307,7 +4307,7 @@
             <a:fld id="{6E7C3E9F-FCDE-664F-9336-1ABBAA0EA927}" type="datetime1">
               <a:rPr lang="en-US" smtClean="0"/>
               <a:pPr/>
-              <a:t>4/6/2022</a:t>
+              <a:t>8/14/2024</a:t>
             </a:fld>
             <a:endParaRPr lang="en-US" dirty="0"/>
           </a:p>
@@ -4538,7 +4538,7 @@
             <a:fld id="{82E32219-5F3D-7F43-849E-768B69F61FFB}" type="datetime1">
               <a:rPr lang="en-US" smtClean="0"/>
               <a:pPr/>
-              <a:t>4/6/2022</a:t>
+              <a:t>8/14/2024</a:t>
             </a:fld>
             <a:endParaRPr lang="en-US" dirty="0"/>
           </a:p>
@@ -4923,7 +4923,7 @@
             <a:fld id="{704DA2EC-FE51-234C-8874-87F532D5C722}" type="datetime1">
               <a:rPr lang="en-US" smtClean="0"/>
               <a:pPr/>
-              <a:t>4/6/2022</a:t>
+              <a:t>8/14/2024</a:t>
             </a:fld>
             <a:endParaRPr lang="en-US" dirty="0"/>
           </a:p>
@@ -5177,7 +5177,7 @@
             <a:fld id="{2036BB0B-C07A-EF4C-ADBF-B404E3B41965}" type="datetime1">
               <a:rPr lang="en-US" smtClean="0"/>
               <a:pPr/>
-              <a:t>4/6/2022</a:t>
+              <a:t>8/14/2024</a:t>
             </a:fld>
             <a:endParaRPr lang="en-US" dirty="0"/>
           </a:p>
@@ -5347,7 +5347,7 @@
             <a:fld id="{8600531E-1DA2-B34A-93A6-C570B815175C}" type="datetime1">
               <a:rPr lang="en-US" smtClean="0"/>
               <a:pPr/>
-              <a:t>4/6/2022</a:t>
+              <a:t>8/14/2024</a:t>
             </a:fld>
             <a:endParaRPr lang="en-US" dirty="0"/>
           </a:p>
@@ -5527,7 +5527,7 @@
             <a:fld id="{932E4664-5CFD-1A4D-9B41-76CFD729FE90}" type="datetime1">
               <a:rPr lang="en-US" smtClean="0"/>
               <a:pPr/>
-              <a:t>4/6/2022</a:t>
+              <a:t>8/14/2024</a:t>
             </a:fld>
             <a:endParaRPr lang="en-US" dirty="0"/>
           </a:p>
@@ -5999,7 +5999,7 @@
             <a:fld id="{82E32219-5F3D-7F43-849E-768B69F61FFB}" type="datetime1">
               <a:rPr lang="en-US" smtClean="0"/>
               <a:pPr/>
-              <a:t>4/6/2022</a:t>
+              <a:t>8/14/2024</a:t>
             </a:fld>
             <a:endParaRPr lang="en-US" dirty="0"/>
           </a:p>
@@ -6225,7 +6225,7 @@
                 </a:solidFill>
               </a:rPr>
               <a:pPr/>
-              <a:t>4/6/2022</a:t>
+              <a:t>8/14/2024</a:t>
             </a:fld>
             <a:endParaRPr lang="en-US" dirty="0">
               <a:solidFill>
@@ -6851,7 +6851,7 @@
                 </a:solidFill>
               </a:rPr>
               <a:pPr/>
-              <a:t>4/6/2022</a:t>
+              <a:t>8/14/2024</a:t>
             </a:fld>
             <a:endParaRPr lang="en-US" dirty="0">
               <a:solidFill>
@@ -7374,7 +7374,7 @@
                 </a:solidFill>
               </a:rPr>
               <a:pPr/>
-              <a:t>4/6/2022</a:t>
+              <a:t>8/14/2024</a:t>
             </a:fld>
             <a:endParaRPr lang="en-US" dirty="0">
               <a:solidFill>
@@ -7684,7 +7684,7 @@
               <a:pPr>
                 <a:defRPr/>
               </a:pPr>
-              <a:t>4/6/2022</a:t>
+              <a:t>8/14/2024</a:t>
             </a:fld>
             <a:endParaRPr lang="en-US" dirty="0">
               <a:solidFill>
@@ -8002,7 +8002,7 @@
               <a:pPr>
                 <a:defRPr/>
               </a:pPr>
-              <a:t>4/6/2022</a:t>
+              <a:t>8/14/2024</a:t>
             </a:fld>
             <a:endParaRPr lang="en-US" dirty="0">
               <a:solidFill>
@@ -8593,7 +8593,7 @@
               <a:pPr>
                 <a:defRPr/>
               </a:pPr>
-              <a:t>4/6/2022</a:t>
+              <a:t>8/14/2024</a:t>
             </a:fld>
             <a:endParaRPr lang="en-US" dirty="0">
               <a:solidFill>
@@ -8952,7 +8952,7 @@
               <a:pPr>
                 <a:defRPr/>
               </a:pPr>
-              <a:t>4/6/2022</a:t>
+              <a:t>8/14/2024</a:t>
             </a:fld>
             <a:endParaRPr lang="en-US" dirty="0">
               <a:solidFill>
@@ -9140,7 +9140,7 @@
                 </a:solidFill>
               </a:rPr>
               <a:pPr/>
-              <a:t>4/6/2022</a:t>
+              <a:t>8/14/2024</a:t>
             </a:fld>
             <a:endParaRPr lang="en-US" dirty="0">
               <a:solidFill>
@@ -9774,7 +9774,7 @@
                 </a:solidFill>
               </a:rPr>
               <a:pPr/>
-              <a:t>4/6/2022</a:t>
+              <a:t>8/14/2024</a:t>
             </a:fld>
             <a:endParaRPr lang="en-US" dirty="0">
               <a:solidFill>
@@ -10054,7 +10054,7 @@
             <a:fld id="{64862BFA-C828-2446-9B72-82AD7C7C4D28}" type="datetime1">
               <a:rPr lang="en-US" smtClean="0"/>
               <a:pPr/>
-              <a:t>4/6/2022</a:t>
+              <a:t>8/14/2024</a:t>
             </a:fld>
             <a:endParaRPr lang="en-US" dirty="0"/>
           </a:p>
@@ -10283,7 +10283,7 @@
                 </a:solidFill>
               </a:rPr>
               <a:pPr/>
-              <a:t>4/6/2022</a:t>
+              <a:t>8/14/2024</a:t>
             </a:fld>
             <a:endParaRPr lang="en-US" dirty="0">
               <a:solidFill>
@@ -10448,7 +10448,7 @@
                 </a:solidFill>
               </a:rPr>
               <a:pPr/>
-              <a:t>4/6/2022</a:t>
+              <a:t>8/14/2024</a:t>
             </a:fld>
             <a:endParaRPr lang="en-US" dirty="0">
               <a:solidFill>
@@ -11346,7 +11346,7 @@
                 </a:solidFill>
               </a:rPr>
               <a:pPr/>
-              <a:t>4/6/2022</a:t>
+              <a:t>8/14/2024</a:t>
             </a:fld>
             <a:endParaRPr lang="en-US" dirty="0">
               <a:solidFill>
@@ -11556,7 +11556,7 @@
                 </a:solidFill>
               </a:rPr>
               <a:pPr/>
-              <a:t>4/6/2022</a:t>
+              <a:t>8/14/2024</a:t>
             </a:fld>
             <a:endParaRPr lang="en-US" dirty="0">
               <a:solidFill>
@@ -11847,7 +11847,7 @@
                 </a:solidFill>
               </a:rPr>
               <a:pPr/>
-              <a:t>4/6/2022</a:t>
+              <a:t>8/14/2024</a:t>
             </a:fld>
             <a:endParaRPr lang="en-US" dirty="0">
               <a:solidFill>
@@ -12378,7 +12378,7 @@
                 </a:solidFill>
               </a:rPr>
               <a:pPr/>
-              <a:t>4/6/2022</a:t>
+              <a:t>8/14/2024</a:t>
             </a:fld>
             <a:endParaRPr lang="en-US" dirty="0">
               <a:solidFill>
@@ -12676,7 +12676,7 @@
                 </a:solidFill>
               </a:rPr>
               <a:pPr/>
-              <a:t>4/6/2022</a:t>
+              <a:t>8/14/2024</a:t>
             </a:fld>
             <a:endParaRPr lang="en-US" dirty="0">
               <a:solidFill>
@@ -12890,7 +12890,7 @@
                 </a:solidFill>
               </a:rPr>
               <a:pPr/>
-              <a:t>4/6/2022</a:t>
+              <a:t>8/14/2024</a:t>
             </a:fld>
             <a:endParaRPr lang="en-US" dirty="0">
               <a:solidFill>
@@ -13120,7 +13120,7 @@
             <a:fld id="{64862BFA-C828-2446-9B72-82AD7C7C4D28}" type="datetime1">
               <a:rPr lang="en-US" smtClean="0"/>
               <a:pPr/>
-              <a:t>4/6/2022</a:t>
+              <a:t>8/14/2024</a:t>
             </a:fld>
             <a:endParaRPr lang="en-US" dirty="0"/>
           </a:p>
@@ -13323,7 +13323,7 @@
                 </a:solidFill>
               </a:rPr>
               <a:pPr/>
-              <a:t>4/6/2022</a:t>
+              <a:t>8/14/2024</a:t>
             </a:fld>
             <a:endParaRPr lang="en-US" dirty="0">
               <a:solidFill>
@@ -13918,7 +13918,7 @@
             <a:fld id="{EF40C587-CD89-8C40-AE01-36B25C2FD636}" type="datetime1">
               <a:rPr lang="en-US" smtClean="0"/>
               <a:pPr/>
-              <a:t>4/6/2022</a:t>
+              <a:t>8/14/2024</a:t>
             </a:fld>
             <a:endParaRPr lang="en-US" dirty="0"/>
           </a:p>
@@ -14397,7 +14397,7 @@
             <a:fld id="{4234BB27-D512-944F-BD47-D639527B0043}" type="datetime1">
               <a:rPr lang="en-US" smtClean="0"/>
               <a:pPr/>
-              <a:t>4/6/2022</a:t>
+              <a:t>8/14/2024</a:t>
             </a:fld>
             <a:endParaRPr lang="en-US" dirty="0"/>
           </a:p>
@@ -14663,7 +14663,7 @@
               <a:pPr>
                 <a:defRPr/>
               </a:pPr>
-              <a:t>4/6/2022</a:t>
+              <a:t>8/14/2024</a:t>
             </a:fld>
             <a:endParaRPr lang="en-US" dirty="0"/>
           </a:p>
@@ -14899,7 +14899,7 @@
             <a:fld id="{64F5F5AC-42C6-7943-932B-3849F0E3EB5C}" type="datetime1">
               <a:rPr lang="en-US" smtClean="0"/>
               <a:pPr/>
-              <a:t>4/6/2022</a:t>
+              <a:t>8/14/2024</a:t>
             </a:fld>
             <a:endParaRPr lang="en-US" dirty="0"/>
           </a:p>
@@ -21376,7 +21376,7 @@
         </p:blipFill>
         <p:spPr>
           <a:xfrm>
-            <a:off x="5090463" y="2182524"/>
+            <a:off x="6588245" y="2161646"/>
             <a:ext cx="209550" cy="209550"/>
           </a:xfrm>
           <a:prstGeom prst="rect">
@@ -21412,7 +21412,7 @@
         </p:blipFill>
         <p:spPr>
           <a:xfrm>
-            <a:off x="4132022" y="2795323"/>
+            <a:off x="5205677" y="2795323"/>
             <a:ext cx="209550" cy="209550"/>
           </a:xfrm>
           <a:prstGeom prst="rect">
